--- a/vozniuk_sem1.pptx
+++ b/vozniuk_sem1.pptx
@@ -11982,8 +11982,8 @@
           </a:p>
         </p:txBody>
       </p:sp>
-      <mc:AlternateContent xmlns:mc="http://schemas.openxmlformats.org/markup-compatibility/2006">
-        <mc:Choice xmlns:a14="http://schemas.microsoft.com/office/drawing/2010/main" Requires="a14">
+      <mc:AlternateContent xmlns:mc="http://schemas.openxmlformats.org/markup-compatibility/2006" xmlns:a14="http://schemas.microsoft.com/office/drawing/2010/main">
+        <mc:Choice Requires="a14">
           <p:sp>
             <p:nvSpPr>
               <p:cNvPr id="20" name="TextBox 19">
@@ -12094,13 +12094,7 @@
                             <a:rPr lang="en-US" b="0" i="1" smtClean="0">
                               <a:latin typeface="Cambria Math" panose="02040503050406030204" pitchFamily="18" charset="0"/>
                             </a:rPr>
-                            <m:t>+</m:t>
-                          </m:r>
-                          <m:r>
-                            <a:rPr lang="en-US" b="0" i="1" smtClean="0">
-                              <a:latin typeface="Cambria Math" panose="02040503050406030204" pitchFamily="18" charset="0"/>
-                            </a:rPr>
-                            <m:t>3</m:t>
+                            <m:t>+3</m:t>
                           </m:r>
                           <m:sSub>
                             <m:sSubPr>
@@ -12131,13 +12125,7 @@
                             <a:rPr lang="en-US" b="0" i="1" smtClean="0">
                               <a:latin typeface="Cambria Math" panose="02040503050406030204" pitchFamily="18" charset="0"/>
                             </a:rPr>
-                            <m:t>+</m:t>
-                          </m:r>
-                          <m:r>
-                            <a:rPr lang="en-US" b="0" i="1" smtClean="0">
-                              <a:latin typeface="Cambria Math" panose="02040503050406030204" pitchFamily="18" charset="0"/>
-                            </a:rPr>
-                            <m:t>7</m:t>
+                            <m:t>+7</m:t>
                           </m:r>
                           <m:sSub>
                             <m:sSubPr>
@@ -12195,13 +12183,7 @@
                             <a:rPr lang="en-US" b="0" i="1" smtClean="0">
                               <a:latin typeface="Cambria Math" panose="02040503050406030204" pitchFamily="18" charset="0"/>
                             </a:rPr>
-                            <m:t>+</m:t>
-                          </m:r>
-                          <m:r>
-                            <a:rPr lang="en-US" b="0" i="1" smtClean="0">
-                              <a:latin typeface="Cambria Math" panose="02040503050406030204" pitchFamily="18" charset="0"/>
-                            </a:rPr>
-                            <m:t>2</m:t>
+                            <m:t>+2</m:t>
                           </m:r>
                           <m:sSub>
                             <m:sSubPr>
@@ -12232,13 +12214,7 @@
                             <a:rPr lang="en-US" b="0" i="1" smtClean="0">
                               <a:latin typeface="Cambria Math" panose="02040503050406030204" pitchFamily="18" charset="0"/>
                             </a:rPr>
-                            <m:t>+</m:t>
-                          </m:r>
-                          <m:r>
-                            <a:rPr lang="en-US" b="0" i="1" smtClean="0">
-                              <a:latin typeface="Cambria Math" panose="02040503050406030204" pitchFamily="18" charset="0"/>
-                            </a:rPr>
-                            <m:t>3</m:t>
+                            <m:t>+3</m:t>
                           </m:r>
                           <m:sSub>
                             <m:sSubPr>
@@ -12289,7 +12265,7 @@
             </p:txBody>
           </p:sp>
         </mc:Choice>
-        <mc:Fallback>
+        <mc:Fallback xmlns="">
           <p:sp>
             <p:nvSpPr>
               <p:cNvPr id="20" name="TextBox 19">
@@ -12334,8 +12310,8 @@
           </p:sp>
         </mc:Fallback>
       </mc:AlternateContent>
-      <mc:AlternateContent xmlns:mc="http://schemas.openxmlformats.org/markup-compatibility/2006">
-        <mc:Choice xmlns:a14="http://schemas.microsoft.com/office/drawing/2010/main" Requires="a14">
+      <mc:AlternateContent xmlns:mc="http://schemas.openxmlformats.org/markup-compatibility/2006" xmlns:a14="http://schemas.microsoft.com/office/drawing/2010/main">
+        <mc:Choice Requires="a14">
           <p:sp>
             <p:nvSpPr>
               <p:cNvPr id="21" name="TextBox 20">
@@ -12446,13 +12422,7 @@
                             <a:rPr lang="en-US" b="0" i="1" smtClean="0">
                               <a:latin typeface="Cambria Math" panose="02040503050406030204" pitchFamily="18" charset="0"/>
                             </a:rPr>
-                            <m:t>+</m:t>
-                          </m:r>
-                          <m:r>
-                            <a:rPr lang="en-US" b="0" i="1" smtClean="0">
-                              <a:latin typeface="Cambria Math" panose="02040503050406030204" pitchFamily="18" charset="0"/>
-                            </a:rPr>
-                            <m:t>5</m:t>
+                            <m:t>+5</m:t>
                           </m:r>
                           <m:sSub>
                             <m:sSubPr>
@@ -12483,13 +12453,7 @@
                             <a:rPr lang="en-US" b="0" i="1" smtClean="0">
                               <a:latin typeface="Cambria Math" panose="02040503050406030204" pitchFamily="18" charset="0"/>
                             </a:rPr>
-                            <m:t>+</m:t>
-                          </m:r>
-                          <m:r>
-                            <a:rPr lang="en-US" b="0" i="1" smtClean="0">
-                              <a:latin typeface="Cambria Math" panose="02040503050406030204" pitchFamily="18" charset="0"/>
-                            </a:rPr>
-                            <m:t>4</m:t>
+                            <m:t>+4</m:t>
                           </m:r>
                           <m:sSub>
                             <m:sSubPr>
@@ -12547,13 +12511,7 @@
                             <a:rPr lang="en-US" b="0" i="1" smtClean="0">
                               <a:latin typeface="Cambria Math" panose="02040503050406030204" pitchFamily="18" charset="0"/>
                             </a:rPr>
-                            <m:t>+</m:t>
-                          </m:r>
-                          <m:r>
-                            <a:rPr lang="en-US" b="0" i="1" smtClean="0">
-                              <a:latin typeface="Cambria Math" panose="02040503050406030204" pitchFamily="18" charset="0"/>
-                            </a:rPr>
-                            <m:t>2</m:t>
+                            <m:t>+2</m:t>
                           </m:r>
                           <m:sSub>
                             <m:sSubPr>
@@ -12584,13 +12542,7 @@
                             <a:rPr lang="en-US" b="0" i="1" smtClean="0">
                               <a:latin typeface="Cambria Math" panose="02040503050406030204" pitchFamily="18" charset="0"/>
                             </a:rPr>
-                            <m:t>+</m:t>
-                          </m:r>
-                          <m:r>
-                            <a:rPr lang="en-US" b="0" i="1" smtClean="0">
-                              <a:latin typeface="Cambria Math" panose="02040503050406030204" pitchFamily="18" charset="0"/>
-                            </a:rPr>
-                            <m:t>3</m:t>
+                            <m:t>+3</m:t>
                           </m:r>
                           <m:sSub>
                             <m:sSubPr>
@@ -12641,7 +12593,7 @@
             </p:txBody>
           </p:sp>
         </mc:Choice>
-        <mc:Fallback>
+        <mc:Fallback xmlns="">
           <p:sp>
             <p:nvSpPr>
               <p:cNvPr id="21" name="TextBox 20">
@@ -12686,8 +12638,8 @@
           </p:sp>
         </mc:Fallback>
       </mc:AlternateContent>
-      <mc:AlternateContent xmlns:mc="http://schemas.openxmlformats.org/markup-compatibility/2006">
-        <mc:Choice xmlns:a14="http://schemas.microsoft.com/office/drawing/2010/main" Requires="a14">
+      <mc:AlternateContent xmlns:mc="http://schemas.openxmlformats.org/markup-compatibility/2006" xmlns:a14="http://schemas.microsoft.com/office/drawing/2010/main">
+        <mc:Choice Requires="a14">
           <p:sp>
             <p:nvSpPr>
               <p:cNvPr id="22" name="TextBox 21">
@@ -12814,18 +12766,7 @@
                                   <a:ea typeface="Calibri" panose="020F0502020204030204" pitchFamily="34" charset="0"/>
                                   <a:cs typeface="Times New Roman" panose="02020603050405020304" pitchFamily="18" charset="0"/>
                                 </a:rPr>
-                                <m:t>=</m:t>
-                              </m:r>
-                              <m:r>
-                                <a:rPr lang="ru-RU" sz="1600" i="1">
-                                  <a:solidFill>
-                                    <a:schemeClr val="bg1"/>
-                                  </a:solidFill>
-                                  <a:latin typeface="Cambria Math" panose="02040503050406030204" pitchFamily="18" charset="0"/>
-                                  <a:ea typeface="Calibri" panose="020F0502020204030204" pitchFamily="34" charset="0"/>
-                                  <a:cs typeface="Times New Roman" panose="02020603050405020304" pitchFamily="18" charset="0"/>
-                                </a:rPr>
-                                <m:t>1</m:t>
+                                <m:t>=1</m:t>
                               </m:r>
                             </m:sub>
                             <m:sup>
@@ -12958,18 +12899,7 @@
                                   <a:ea typeface="Calibri" panose="020F0502020204030204" pitchFamily="34" charset="0"/>
                                   <a:cs typeface="Times New Roman" panose="02020603050405020304" pitchFamily="18" charset="0"/>
                                 </a:rPr>
-                                <m:t>=</m:t>
-                              </m:r>
-                              <m:r>
-                                <a:rPr lang="ru-RU" sz="1600" i="1">
-                                  <a:solidFill>
-                                    <a:schemeClr val="bg1"/>
-                                  </a:solidFill>
-                                  <a:latin typeface="Cambria Math" panose="02040503050406030204" pitchFamily="18" charset="0"/>
-                                  <a:ea typeface="Calibri" panose="020F0502020204030204" pitchFamily="34" charset="0"/>
-                                  <a:cs typeface="Times New Roman" panose="02020603050405020304" pitchFamily="18" charset="0"/>
-                                </a:rPr>
-                                <m:t>1</m:t>
+                                <m:t>=1</m:t>
                               </m:r>
                             </m:sub>
                             <m:sup>
@@ -13116,7 +13046,7 @@
             </p:txBody>
           </p:sp>
         </mc:Choice>
-        <mc:Fallback>
+        <mc:Fallback xmlns="">
           <p:sp>
             <p:nvSpPr>
               <p:cNvPr id="22" name="TextBox 21">
@@ -13166,8 +13096,8 @@
           </p:sp>
         </mc:Fallback>
       </mc:AlternateContent>
-      <mc:AlternateContent xmlns:mc="http://schemas.openxmlformats.org/markup-compatibility/2006">
-        <mc:Choice xmlns:a14="http://schemas.microsoft.com/office/drawing/2010/main" Requires="a14">
+      <mc:AlternateContent xmlns:mc="http://schemas.openxmlformats.org/markup-compatibility/2006" xmlns:a14="http://schemas.microsoft.com/office/drawing/2010/main">
+        <mc:Choice Requires="a14">
           <p:sp>
             <p:nvSpPr>
               <p:cNvPr id="23" name="TextBox 22">
@@ -13538,19 +13468,7 @@
                         <a:ea typeface="Calibri" panose="020F0502020204030204" pitchFamily="34" charset="0"/>
                         <a:cs typeface="Times New Roman" panose="02020603050405020304" pitchFamily="18" charset="0"/>
                       </a:rPr>
-                      <m:t>≥</m:t>
-                    </m:r>
-                    <m:r>
-                      <a:rPr lang="ru-RU" sz="1600" i="1">
-                        <a:solidFill>
-                          <a:schemeClr val="bg1"/>
-                        </a:solidFill>
-                        <a:effectLst/>
-                        <a:latin typeface="Cambria Math" panose="02040503050406030204" pitchFamily="18" charset="0"/>
-                        <a:ea typeface="Calibri" panose="020F0502020204030204" pitchFamily="34" charset="0"/>
-                        <a:cs typeface="Times New Roman" panose="02020603050405020304" pitchFamily="18" charset="0"/>
-                      </a:rPr>
-                      <m:t>0</m:t>
+                      <m:t>≥0</m:t>
                     </m:r>
                   </m:oMath>
                 </a14:m>
@@ -13665,31 +13583,7 @@
                         <a:ea typeface="Calibri" panose="020F0502020204030204" pitchFamily="34" charset="0"/>
                         <a:cs typeface="Times New Roman" panose="02020603050405020304" pitchFamily="18" charset="0"/>
                       </a:rPr>
-                      <m:t>=</m:t>
-                    </m:r>
-                    <m:r>
-                      <a:rPr lang="en-US" sz="1600" b="0" i="1" smtClean="0">
-                        <a:solidFill>
-                          <a:schemeClr val="bg1"/>
-                        </a:solidFill>
-                        <a:effectLst/>
-                        <a:latin typeface="Cambria Math" panose="02040503050406030204" pitchFamily="18" charset="0"/>
-                        <a:ea typeface="Calibri" panose="020F0502020204030204" pitchFamily="34" charset="0"/>
-                        <a:cs typeface="Times New Roman" panose="02020603050405020304" pitchFamily="18" charset="0"/>
-                      </a:rPr>
-                      <m:t>1</m:t>
-                    </m:r>
-                    <m:r>
-                      <a:rPr lang="en-US" sz="1600" b="0" i="1" smtClean="0">
-                        <a:solidFill>
-                          <a:schemeClr val="bg1"/>
-                        </a:solidFill>
-                        <a:effectLst/>
-                        <a:latin typeface="Cambria Math" panose="02040503050406030204" pitchFamily="18" charset="0"/>
-                        <a:ea typeface="Calibri" panose="020F0502020204030204" pitchFamily="34" charset="0"/>
-                        <a:cs typeface="Times New Roman" panose="02020603050405020304" pitchFamily="18" charset="0"/>
-                      </a:rPr>
-                      <m:t>,..</m:t>
+                      <m:t>=1,..</m:t>
                     </m:r>
                     <m:r>
                       <a:rPr lang="en-US" sz="1600" b="0" i="1" smtClean="0">
@@ -13741,7 +13635,7 @@
             </p:txBody>
           </p:sp>
         </mc:Choice>
-        <mc:Fallback>
+        <mc:Fallback xmlns="">
           <p:sp>
             <p:nvSpPr>
               <p:cNvPr id="23" name="TextBox 22">
@@ -14579,28 +14473,8 @@
               <a:buNone/>
             </a:pPr>
             <a:r>
-              <a:rPr lang="ru-RU" dirty="0" err="1"/>
-              <a:t>Підтримка</a:t>
-            </a:r>
-            <a:r>
               <a:rPr lang="ru-RU" dirty="0"/>
-              <a:t> </a:t>
-            </a:r>
-            <a:r>
-              <a:rPr lang="ru-RU" dirty="0" err="1"/>
-              <a:t>процесу</a:t>
-            </a:r>
-            <a:r>
-              <a:rPr lang="ru-RU" dirty="0"/>
-              <a:t> </a:t>
-            </a:r>
-            <a:r>
-              <a:rPr lang="ru-RU" dirty="0" err="1"/>
-              <a:t>дослідження</a:t>
-            </a:r>
-            <a:r>
-              <a:rPr lang="ru-RU" dirty="0"/>
-              <a:t> </a:t>
+              <a:t>Підтримка процесу дослідження </a:t>
             </a:r>
             <a:r>
               <a:rPr lang="ru-RU" b="1" i="1" dirty="0">
@@ -14608,15 +14482,15 @@
                   <a:srgbClr val="FF9179"/>
                 </a:solidFill>
               </a:rPr>
-              <a:t>задач дробно-</a:t>
+              <a:t>задач дроб</a:t>
             </a:r>
             <a:r>
-              <a:rPr lang="ru-RU" b="1" i="1" dirty="0" err="1">
+              <a:rPr lang="uk-UA" b="1" i="1" dirty="0">
                 <a:solidFill>
                   <a:srgbClr val="FF9179"/>
                 </a:solidFill>
               </a:rPr>
-              <a:t>лінійного</a:t>
+              <a:t>о</a:t>
             </a:r>
             <a:r>
               <a:rPr lang="ru-RU" b="1" i="1" dirty="0">
@@ -14624,47 +14498,7 @@
                   <a:srgbClr val="FF9179"/>
                 </a:solidFill>
               </a:rPr>
-              <a:t> </a:t>
-            </a:r>
-            <a:r>
-              <a:rPr lang="ru-RU" b="1" i="1" dirty="0" err="1">
-                <a:solidFill>
-                  <a:srgbClr val="FF9179"/>
-                </a:solidFill>
-              </a:rPr>
-              <a:t>програмування</a:t>
-            </a:r>
-            <a:r>
-              <a:rPr lang="ru-RU" b="1" i="1" dirty="0">
-                <a:solidFill>
-                  <a:srgbClr val="FF9179"/>
-                </a:solidFill>
-              </a:rPr>
-              <a:t> в </a:t>
-            </a:r>
-            <a:r>
-              <a:rPr lang="ru-RU" b="1" i="1" dirty="0" err="1">
-                <a:solidFill>
-                  <a:srgbClr val="FF9179"/>
-                </a:solidFill>
-              </a:rPr>
-              <a:t>умовах</a:t>
-            </a:r>
-            <a:r>
-              <a:rPr lang="ru-RU" b="1" i="1" dirty="0">
-                <a:solidFill>
-                  <a:srgbClr val="FF9179"/>
-                </a:solidFill>
-              </a:rPr>
-              <a:t> </a:t>
-            </a:r>
-            <a:r>
-              <a:rPr lang="ru-RU" b="1" i="1" dirty="0" err="1">
-                <a:solidFill>
-                  <a:srgbClr val="FF9179"/>
-                </a:solidFill>
-              </a:rPr>
-              <a:t>невизначеності</a:t>
+              <a:t>во-лінійного програмування в умовах невизначеності</a:t>
             </a:r>
             <a:endParaRPr lang="en-GB" b="1" i="1" dirty="0">
               <a:solidFill>
